--- a/Template_Presentation_Students.pptx
+++ b/Template_Presentation_Students.pptx
@@ -5,21 +5,20 @@
     <p:sldMasterId id="2147483648" r:id="rId1"/>
   </p:sldMasterIdLst>
   <p:notesMasterIdLst>
-    <p:notesMasterId r:id="rId14"/>
+    <p:notesMasterId r:id="rId13"/>
   </p:notesMasterIdLst>
   <p:sldIdLst>
     <p:sldId id="256" r:id="rId2"/>
     <p:sldId id="257" r:id="rId3"/>
-    <p:sldId id="266" r:id="rId4"/>
-    <p:sldId id="258" r:id="rId5"/>
-    <p:sldId id="259" r:id="rId6"/>
-    <p:sldId id="260" r:id="rId7"/>
-    <p:sldId id="261" r:id="rId8"/>
-    <p:sldId id="262" r:id="rId9"/>
-    <p:sldId id="263" r:id="rId10"/>
-    <p:sldId id="264" r:id="rId11"/>
-    <p:sldId id="265" r:id="rId12"/>
-    <p:sldId id="268" r:id="rId13"/>
+    <p:sldId id="258" r:id="rId4"/>
+    <p:sldId id="259" r:id="rId5"/>
+    <p:sldId id="260" r:id="rId6"/>
+    <p:sldId id="261" r:id="rId7"/>
+    <p:sldId id="262" r:id="rId8"/>
+    <p:sldId id="263" r:id="rId9"/>
+    <p:sldId id="264" r:id="rId10"/>
+    <p:sldId id="265" r:id="rId11"/>
+    <p:sldId id="268" r:id="rId12"/>
   </p:sldIdLst>
   <p:sldSz cx="12192000" cy="6858000"/>
   <p:notesSz cx="12192000" cy="6858000"/>
@@ -552,7 +551,7 @@
           <a:p>
             <a:fld id="{9EFCB858-BF3A-480A-9B48-FD2442DE7237}" type="slidenum">
               <a:rPr lang="en-IN" smtClean="0"/>
-              <a:t>8</a:t>
+              <a:t>7</a:t>
             </a:fld>
             <a:endParaRPr lang="en-IN"/>
           </a:p>
@@ -3304,6 +3303,66 @@
       </p:pic>
       <p:sp>
         <p:nvSpPr>
+          <p:cNvPr id="7" name="object 7"/>
+          <p:cNvSpPr txBox="1">
+            <a:spLocks noGrp="1"/>
+          </p:cNvSpPr>
+          <p:nvPr>
+            <p:ph type="title"/>
+          </p:nvPr>
+        </p:nvSpPr>
+        <p:spPr>
+          <a:xfrm>
+            <a:off x="755332" y="385444"/>
+            <a:ext cx="2437130" cy="758190"/>
+          </a:xfrm>
+          <a:prstGeom prst="rect">
+            <a:avLst/>
+          </a:prstGeom>
+        </p:spPr>
+        <p:txBody>
+          <a:bodyPr vert="horz" wrap="square" lIns="0" tIns="13335" rIns="0" bIns="0" rtlCol="0">
+            <a:spAutoFit/>
+          </a:bodyPr>
+          <a:lstStyle/>
+          <a:p>
+            <a:pPr marL="12700">
+              <a:lnSpc>
+                <a:spcPct val="100000"/>
+              </a:lnSpc>
+              <a:spcBef>
+                <a:spcPts val="105"/>
+              </a:spcBef>
+            </a:pPr>
+            <a:r>
+              <a:rPr dirty="0"/>
+              <a:t>R</a:t>
+            </a:r>
+            <a:r>
+              <a:rPr spc="-40" dirty="0"/>
+              <a:t>E</a:t>
+            </a:r>
+            <a:r>
+              <a:rPr spc="15" dirty="0"/>
+              <a:t>S</a:t>
+            </a:r>
+            <a:r>
+              <a:rPr spc="-30" dirty="0"/>
+              <a:t>U</a:t>
+            </a:r>
+            <a:r>
+              <a:rPr spc="-405" dirty="0"/>
+              <a:t>L</a:t>
+            </a:r>
+            <a:r>
+              <a:rPr dirty="0"/>
+              <a:t>TS</a:t>
+            </a:r>
+          </a:p>
+        </p:txBody>
+      </p:sp>
+      <p:sp>
+        <p:nvSpPr>
           <p:cNvPr id="9" name="object 9"/>
           <p:cNvSpPr txBox="1"/>
           <p:nvPr/>
@@ -3340,963 +3399,6 @@
                 <a:cs typeface="Trebuchet MS"/>
               </a:rPr>
               <a:t>10</a:t>
-            </a:fld>
-            <a:endParaRPr sz="1100">
-              <a:latin typeface="Trebuchet MS"/>
-              <a:cs typeface="Trebuchet MS"/>
-            </a:endParaRPr>
-          </a:p>
-        </p:txBody>
-      </p:sp>
-      <p:sp>
-        <p:nvSpPr>
-          <p:cNvPr id="8" name="object 8"/>
-          <p:cNvSpPr txBox="1"/>
-          <p:nvPr/>
-        </p:nvSpPr>
-        <p:spPr>
-          <a:xfrm>
-            <a:off x="739775" y="291147"/>
-            <a:ext cx="3303904" cy="758190"/>
-          </a:xfrm>
-          <a:prstGeom prst="rect">
-            <a:avLst/>
-          </a:prstGeom>
-        </p:spPr>
-        <p:txBody>
-          <a:bodyPr vert="horz" wrap="square" lIns="0" tIns="13335" rIns="0" bIns="0" rtlCol="0">
-            <a:spAutoFit/>
-          </a:bodyPr>
-          <a:lstStyle/>
-          <a:p>
-            <a:pPr marL="12700">
-              <a:lnSpc>
-                <a:spcPct val="100000"/>
-              </a:lnSpc>
-              <a:spcBef>
-                <a:spcPts val="105"/>
-              </a:spcBef>
-            </a:pPr>
-            <a:r>
-              <a:rPr sz="4800" b="1" spc="15" dirty="0">
-                <a:latin typeface="Trebuchet MS"/>
-                <a:cs typeface="Trebuchet MS"/>
-              </a:rPr>
-              <a:t>M</a:t>
-            </a:r>
-            <a:r>
-              <a:rPr sz="4800" b="1" dirty="0">
-                <a:latin typeface="Trebuchet MS"/>
-                <a:cs typeface="Trebuchet MS"/>
-              </a:rPr>
-              <a:t>O</a:t>
-            </a:r>
-            <a:r>
-              <a:rPr sz="4800" b="1" spc="-15" dirty="0">
-                <a:latin typeface="Trebuchet MS"/>
-                <a:cs typeface="Trebuchet MS"/>
-              </a:rPr>
-              <a:t>D</a:t>
-            </a:r>
-            <a:r>
-              <a:rPr sz="4800" b="1" spc="-35" dirty="0">
-                <a:latin typeface="Trebuchet MS"/>
-                <a:cs typeface="Trebuchet MS"/>
-              </a:rPr>
-              <a:t>E</a:t>
-            </a:r>
-            <a:r>
-              <a:rPr sz="4800" b="1" spc="-30" dirty="0">
-                <a:latin typeface="Trebuchet MS"/>
-                <a:cs typeface="Trebuchet MS"/>
-              </a:rPr>
-              <a:t>LL</a:t>
-            </a:r>
-            <a:r>
-              <a:rPr sz="4800" b="1" spc="-5" dirty="0">
-                <a:latin typeface="Trebuchet MS"/>
-                <a:cs typeface="Trebuchet MS"/>
-              </a:rPr>
-              <a:t>I</a:t>
-            </a:r>
-            <a:r>
-              <a:rPr sz="4800" b="1" spc="30" dirty="0">
-                <a:latin typeface="Trebuchet MS"/>
-                <a:cs typeface="Trebuchet MS"/>
-              </a:rPr>
-              <a:t>N</a:t>
-            </a:r>
-            <a:r>
-              <a:rPr sz="4800" b="1" spc="5" dirty="0">
-                <a:latin typeface="Trebuchet MS"/>
-                <a:cs typeface="Trebuchet MS"/>
-              </a:rPr>
-              <a:t>G</a:t>
-            </a:r>
-            <a:endParaRPr sz="4800">
-              <a:latin typeface="Trebuchet MS"/>
-              <a:cs typeface="Trebuchet MS"/>
-            </a:endParaRPr>
-          </a:p>
-        </p:txBody>
-      </p:sp>
-      <p:sp>
-        <p:nvSpPr>
-          <p:cNvPr id="14" name="Title 13">
-            <a:extLst>
-              <a:ext uri="{FF2B5EF4-FFF2-40B4-BE49-F238E27FC236}">
-                <a16:creationId xmlns:a16="http://schemas.microsoft.com/office/drawing/2014/main" id="{625A1433-120F-428B-0B00-1E3E2035844C}"/>
-              </a:ext>
-            </a:extLst>
-          </p:cNvPr>
-          <p:cNvSpPr>
-            <a:spLocks noGrp="1"/>
-          </p:cNvSpPr>
-          <p:nvPr>
-            <p:ph type="ctrTitle"/>
-          </p:nvPr>
-        </p:nvSpPr>
-        <p:spPr>
-          <a:xfrm>
-            <a:off x="785132" y="1215853"/>
-            <a:ext cx="9220200" cy="1846659"/>
-          </a:xfrm>
-        </p:spPr>
-        <p:txBody>
-          <a:bodyPr/>
-          <a:lstStyle/>
-          <a:p>
-            <a:pPr marR="0" lvl="0" defTabSz="914400" rtl="0" eaLnBrk="0" fontAlgn="base" latinLnBrk="0" hangingPunct="0">
-              <a:lnSpc>
-                <a:spcPct val="100000"/>
-              </a:lnSpc>
-              <a:spcBef>
-                <a:spcPct val="0"/>
-              </a:spcBef>
-              <a:spcAft>
-                <a:spcPct val="0"/>
-              </a:spcAft>
-              <a:tabLst/>
-            </a:pPr>
-            <a:r>
-              <a:rPr kumimoji="0" lang="en-US" altLang="en-US" sz="2000" b="1" i="0" u="none" strike="noStrike" cap="none" normalizeH="0" baseline="0" dirty="0">
-                <a:ln>
-                  <a:noFill/>
-                </a:ln>
-                <a:solidFill>
-                  <a:schemeClr val="tx1"/>
-                </a:solidFill>
-                <a:effectLst/>
-                <a:latin typeface="Times New Roman" panose="02020603050405020304" pitchFamily="18" charset="0"/>
-                <a:cs typeface="Times New Roman" panose="02020603050405020304" pitchFamily="18" charset="0"/>
-              </a:rPr>
-              <a:t>Import Required Modules:</a:t>
-            </a:r>
-            <a:br>
-              <a:rPr kumimoji="0" lang="en-US" altLang="en-US" sz="2000" b="0" i="0" u="none" strike="noStrike" cap="none" normalizeH="0" baseline="0" dirty="0">
-                <a:ln>
-                  <a:noFill/>
-                </a:ln>
-                <a:solidFill>
-                  <a:schemeClr val="tx1"/>
-                </a:solidFill>
-                <a:effectLst/>
-                <a:latin typeface="Times New Roman" panose="02020603050405020304" pitchFamily="18" charset="0"/>
-                <a:cs typeface="Times New Roman" panose="02020603050405020304" pitchFamily="18" charset="0"/>
-              </a:rPr>
-            </a:br>
-            <a:r>
-              <a:rPr kumimoji="0" lang="en-US" altLang="en-US" sz="2000" b="0" i="0" u="none" strike="noStrike" cap="none" normalizeH="0" baseline="0" dirty="0">
-                <a:ln>
-                  <a:noFill/>
-                </a:ln>
-                <a:solidFill>
-                  <a:schemeClr val="tx1"/>
-                </a:solidFill>
-                <a:effectLst/>
-                <a:latin typeface="Times New Roman" panose="02020603050405020304" pitchFamily="18" charset="0"/>
-                <a:cs typeface="Times New Roman" panose="02020603050405020304" pitchFamily="18" charset="0"/>
-              </a:rPr>
-              <a:t>   Use Python's keyboard module to capture keystrokes.</a:t>
-            </a:r>
-            <a:br>
-              <a:rPr kumimoji="0" lang="en-US" altLang="en-US" sz="2000" b="0" i="0" u="none" strike="noStrike" cap="none" normalizeH="0" baseline="0" dirty="0">
-                <a:ln>
-                  <a:noFill/>
-                </a:ln>
-                <a:solidFill>
-                  <a:schemeClr val="tx1"/>
-                </a:solidFill>
-                <a:effectLst/>
-                <a:latin typeface="Times New Roman" panose="02020603050405020304" pitchFamily="18" charset="0"/>
-                <a:cs typeface="Times New Roman" panose="02020603050405020304" pitchFamily="18" charset="0"/>
-              </a:rPr>
-            </a:br>
-            <a:r>
-              <a:rPr kumimoji="0" lang="en-US" altLang="en-US" sz="2000" b="0" i="0" u="none" strike="noStrike" cap="none" normalizeH="0" baseline="0" dirty="0">
-                <a:ln>
-                  <a:noFill/>
-                </a:ln>
-                <a:solidFill>
-                  <a:schemeClr val="tx1"/>
-                </a:solidFill>
-                <a:effectLst/>
-                <a:latin typeface="Times New Roman" panose="02020603050405020304" pitchFamily="18" charset="0"/>
-                <a:cs typeface="Times New Roman" panose="02020603050405020304" pitchFamily="18" charset="0"/>
-              </a:rPr>
-              <a:t>Optionally, use other modules for logging, encryption, or network communication</a:t>
-            </a:r>
-            <a:r>
-              <a:rPr kumimoji="0" lang="en-US" altLang="en-US" sz="2000" b="0" i="0" u="none" strike="noStrike" cap="none" normalizeH="0" baseline="0" dirty="0">
-                <a:ln>
-                  <a:noFill/>
-                </a:ln>
-                <a:solidFill>
-                  <a:schemeClr val="tx1"/>
-                </a:solidFill>
-                <a:effectLst/>
-                <a:latin typeface="Arial" panose="020B0604020202020204" pitchFamily="34" charset="0"/>
-              </a:rPr>
-              <a:t>.</a:t>
-            </a:r>
-            <a:br>
-              <a:rPr kumimoji="0" lang="en-US" altLang="en-US" sz="2000" b="0" i="0" u="none" strike="noStrike" cap="none" normalizeH="0" baseline="0" dirty="0">
-                <a:ln>
-                  <a:noFill/>
-                </a:ln>
-                <a:solidFill>
-                  <a:schemeClr val="tx1"/>
-                </a:solidFill>
-                <a:effectLst/>
-                <a:latin typeface="Arial" panose="020B0604020202020204" pitchFamily="34" charset="0"/>
-              </a:rPr>
-            </a:br>
-            <a:r>
-              <a:rPr lang="en-US" sz="2000" b="1" dirty="0">
-                <a:latin typeface="Times New Roman" panose="02020603050405020304" pitchFamily="18" charset="0"/>
-                <a:cs typeface="Times New Roman" panose="02020603050405020304" pitchFamily="18" charset="0"/>
-              </a:rPr>
-              <a:t>Set Up Logging:</a:t>
-            </a:r>
-            <a:br>
-              <a:rPr lang="en-US" sz="2000" dirty="0">
-                <a:latin typeface="Arial" panose="020B0604020202020204" pitchFamily="34" charset="0"/>
-                <a:cs typeface="Times New Roman" panose="02020603050405020304" pitchFamily="18" charset="0"/>
-              </a:rPr>
-            </a:br>
-            <a:r>
-              <a:rPr lang="en-US" sz="2000" dirty="0">
-                <a:latin typeface="Arial" panose="020B0604020202020204" pitchFamily="34" charset="0"/>
-                <a:cs typeface="Times New Roman" panose="02020603050405020304" pitchFamily="18" charset="0"/>
-              </a:rPr>
-              <a:t>  </a:t>
-            </a:r>
-            <a:r>
-              <a:rPr lang="en-US" sz="2000" dirty="0">
-                <a:latin typeface="Times New Roman" panose="02020603050405020304" pitchFamily="18" charset="0"/>
-                <a:cs typeface="Times New Roman" panose="02020603050405020304" pitchFamily="18" charset="0"/>
-              </a:rPr>
-              <a:t>Configure logging settings to specify the format and destination of log files.</a:t>
-            </a:r>
-            <a:br>
-              <a:rPr lang="en-US" sz="2000" dirty="0">
-                <a:latin typeface="Times New Roman" panose="02020603050405020304" pitchFamily="18" charset="0"/>
-                <a:cs typeface="Times New Roman" panose="02020603050405020304" pitchFamily="18" charset="0"/>
-              </a:rPr>
-            </a:br>
-            <a:endParaRPr lang="en-IN" sz="2000" dirty="0"/>
-          </a:p>
-        </p:txBody>
-      </p:sp>
-      <p:sp>
-        <p:nvSpPr>
-          <p:cNvPr id="15" name="Subtitle 14">
-            <a:extLst>
-              <a:ext uri="{FF2B5EF4-FFF2-40B4-BE49-F238E27FC236}">
-                <a16:creationId xmlns:a16="http://schemas.microsoft.com/office/drawing/2014/main" id="{EE5E0A26-27E3-9875-715F-97D9FAA6C6EA}"/>
-              </a:ext>
-            </a:extLst>
-          </p:cNvPr>
-          <p:cNvSpPr>
-            <a:spLocks noGrp="1"/>
-          </p:cNvSpPr>
-          <p:nvPr>
-            <p:ph type="subTitle" idx="4"/>
-          </p:nvPr>
-        </p:nvSpPr>
-        <p:spPr>
-          <a:xfrm>
-            <a:off x="752475" y="2789116"/>
-            <a:ext cx="10877550" cy="3046988"/>
-          </a:xfrm>
-        </p:spPr>
-        <p:txBody>
-          <a:bodyPr/>
-          <a:lstStyle/>
-          <a:p>
-            <a:pPr marR="0" lvl="0" algn="l" defTabSz="914400" rtl="0" eaLnBrk="0" fontAlgn="base" latinLnBrk="0" hangingPunct="0">
-              <a:lnSpc>
-                <a:spcPct val="100000"/>
-              </a:lnSpc>
-              <a:spcBef>
-                <a:spcPct val="0"/>
-              </a:spcBef>
-              <a:spcAft>
-                <a:spcPct val="0"/>
-              </a:spcAft>
-              <a:buClrTx/>
-              <a:buSzTx/>
-              <a:tabLst/>
-            </a:pPr>
-            <a:r>
-              <a:rPr kumimoji="0" lang="en-US" altLang="en-US" sz="2000" b="1" i="0" u="none" strike="noStrike" cap="none" normalizeH="0" baseline="0" dirty="0">
-                <a:ln>
-                  <a:noFill/>
-                </a:ln>
-                <a:solidFill>
-                  <a:schemeClr val="tx1"/>
-                </a:solidFill>
-                <a:effectLst/>
-                <a:latin typeface="Times New Roman" panose="02020603050405020304" pitchFamily="18" charset="0"/>
-                <a:cs typeface="Times New Roman" panose="02020603050405020304" pitchFamily="18" charset="0"/>
-              </a:rPr>
-              <a:t>Define Keylogger Function:</a:t>
-            </a:r>
-            <a:endParaRPr kumimoji="0" lang="en-US" altLang="en-US" sz="2000" b="0" i="0" u="none" strike="noStrike" cap="none" normalizeH="0" baseline="0" dirty="0">
-              <a:ln>
-                <a:noFill/>
-              </a:ln>
-              <a:solidFill>
-                <a:schemeClr val="tx1"/>
-              </a:solidFill>
-              <a:effectLst/>
-              <a:latin typeface="Times New Roman" panose="02020603050405020304" pitchFamily="18" charset="0"/>
-              <a:cs typeface="Times New Roman" panose="02020603050405020304" pitchFamily="18" charset="0"/>
-            </a:endParaRPr>
-          </a:p>
-          <a:p>
-            <a:pPr marR="0" lvl="0" algn="l" defTabSz="914400" rtl="0" eaLnBrk="0" fontAlgn="base" latinLnBrk="0" hangingPunct="0">
-              <a:lnSpc>
-                <a:spcPct val="100000"/>
-              </a:lnSpc>
-              <a:spcBef>
-                <a:spcPct val="0"/>
-              </a:spcBef>
-              <a:spcAft>
-                <a:spcPct val="0"/>
-              </a:spcAft>
-              <a:buClrTx/>
-              <a:buSzTx/>
-              <a:tabLst/>
-            </a:pPr>
-            <a:r>
-              <a:rPr kumimoji="0" lang="en-US" altLang="en-US" sz="2000" b="0" i="0" u="none" strike="noStrike" cap="none" normalizeH="0" baseline="0" dirty="0">
-                <a:ln>
-                  <a:noFill/>
-                </a:ln>
-                <a:solidFill>
-                  <a:schemeClr val="tx1"/>
-                </a:solidFill>
-                <a:effectLst/>
-                <a:latin typeface="Times New Roman" panose="02020603050405020304" pitchFamily="18" charset="0"/>
-                <a:cs typeface="Times New Roman" panose="02020603050405020304" pitchFamily="18" charset="0"/>
-              </a:rPr>
-              <a:t>  Create a function to capture and log keystrokes.</a:t>
-            </a:r>
-          </a:p>
-          <a:p>
-            <a:pPr marR="0" lvl="0" algn="l" defTabSz="914400" rtl="0" eaLnBrk="0" fontAlgn="base" latinLnBrk="0" hangingPunct="0">
-              <a:lnSpc>
-                <a:spcPct val="100000"/>
-              </a:lnSpc>
-              <a:spcBef>
-                <a:spcPct val="0"/>
-              </a:spcBef>
-              <a:spcAft>
-                <a:spcPct val="0"/>
-              </a:spcAft>
-              <a:buClrTx/>
-              <a:buSzTx/>
-              <a:tabLst/>
-            </a:pPr>
-            <a:r>
-              <a:rPr kumimoji="0" lang="en-US" altLang="en-US" sz="2000" b="0" i="0" u="none" strike="noStrike" cap="none" normalizeH="0" baseline="0" dirty="0">
-                <a:ln>
-                  <a:noFill/>
-                </a:ln>
-                <a:solidFill>
-                  <a:schemeClr val="tx1"/>
-                </a:solidFill>
-                <a:effectLst/>
-                <a:latin typeface="Times New Roman" panose="02020603050405020304" pitchFamily="18" charset="0"/>
-                <a:cs typeface="Times New Roman" panose="02020603050405020304" pitchFamily="18" charset="0"/>
-              </a:rPr>
-              <a:t>  Use the </a:t>
-            </a:r>
-            <a:r>
-              <a:rPr kumimoji="0" lang="en-US" altLang="en-US" sz="2000" b="0" i="0" u="none" strike="noStrike" cap="none" normalizeH="0" baseline="0" dirty="0" err="1">
-                <a:ln>
-                  <a:noFill/>
-                </a:ln>
-                <a:solidFill>
-                  <a:schemeClr val="tx1"/>
-                </a:solidFill>
-                <a:effectLst/>
-                <a:latin typeface="Times New Roman" panose="02020603050405020304" pitchFamily="18" charset="0"/>
-                <a:cs typeface="Times New Roman" panose="02020603050405020304" pitchFamily="18" charset="0"/>
-              </a:rPr>
-              <a:t>keyboard.on_press</a:t>
-            </a:r>
-            <a:r>
-              <a:rPr kumimoji="0" lang="en-US" altLang="en-US" sz="2000" b="0" i="0" u="none" strike="noStrike" cap="none" normalizeH="0" baseline="0" dirty="0">
-                <a:ln>
-                  <a:noFill/>
-                </a:ln>
-                <a:solidFill>
-                  <a:schemeClr val="tx1"/>
-                </a:solidFill>
-                <a:effectLst/>
-                <a:latin typeface="Times New Roman" panose="02020603050405020304" pitchFamily="18" charset="0"/>
-                <a:cs typeface="Times New Roman" panose="02020603050405020304" pitchFamily="18" charset="0"/>
-              </a:rPr>
-              <a:t>() method to register a callback function to capture each key press event.</a:t>
-            </a:r>
-          </a:p>
-          <a:p>
-            <a:pPr eaLnBrk="0" fontAlgn="base" hangingPunct="0">
-              <a:spcBef>
-                <a:spcPct val="0"/>
-              </a:spcBef>
-              <a:spcAft>
-                <a:spcPct val="0"/>
-              </a:spcAft>
-            </a:pPr>
-            <a:r>
-              <a:rPr lang="en-US" sz="2000" b="1" dirty="0">
-                <a:latin typeface="Times New Roman" panose="02020603050405020304" pitchFamily="18" charset="0"/>
-                <a:cs typeface="Times New Roman" panose="02020603050405020304" pitchFamily="18" charset="0"/>
-              </a:rPr>
-              <a:t>Main Function:</a:t>
-            </a:r>
-          </a:p>
-          <a:p>
-            <a:pPr eaLnBrk="0" fontAlgn="base" hangingPunct="0">
-              <a:spcBef>
-                <a:spcPct val="0"/>
-              </a:spcBef>
-              <a:spcAft>
-                <a:spcPct val="0"/>
-              </a:spcAft>
-            </a:pPr>
-            <a:r>
-              <a:rPr lang="en-US" sz="2000" dirty="0">
-                <a:latin typeface="Times New Roman" panose="02020603050405020304" pitchFamily="18" charset="0"/>
-                <a:cs typeface="Times New Roman" panose="02020603050405020304" pitchFamily="18" charset="0"/>
-              </a:rPr>
-              <a:t>  Create a main function to start the keylogger and keep it running indefinitely.</a:t>
-            </a:r>
-          </a:p>
-          <a:p>
-            <a:r>
-              <a:rPr lang="en-US" sz="2000" b="1" dirty="0">
-                <a:latin typeface="Times New Roman" panose="02020603050405020304" pitchFamily="18" charset="0"/>
-                <a:cs typeface="Times New Roman" panose="02020603050405020304" pitchFamily="18" charset="0"/>
-              </a:rPr>
-              <a:t>Testing and Deployment:</a:t>
-            </a:r>
-          </a:p>
-          <a:p>
-            <a:r>
-              <a:rPr lang="en-US" sz="2000" dirty="0">
-                <a:latin typeface="Times New Roman" panose="02020603050405020304" pitchFamily="18" charset="0"/>
-                <a:cs typeface="Times New Roman" panose="02020603050405020304" pitchFamily="18" charset="0"/>
-              </a:rPr>
-              <a:t>  Test the keylogger program to ensure it captures keystrokes correctly.</a:t>
-            </a:r>
-          </a:p>
-          <a:p>
-            <a:pPr algn="just"/>
-            <a:r>
-              <a:rPr lang="en-US" sz="2000" dirty="0">
-                <a:latin typeface="Times New Roman" panose="02020603050405020304" pitchFamily="18" charset="0"/>
-                <a:cs typeface="Times New Roman" panose="02020603050405020304" pitchFamily="18" charset="0"/>
-              </a:rPr>
-              <a:t>  Deploy the keylogger on target systems if necessary, ensuring compliance with legal and ethical considerations.</a:t>
-            </a:r>
-          </a:p>
-          <a:p>
-            <a:endParaRPr lang="en-IN" dirty="0"/>
-          </a:p>
-        </p:txBody>
-      </p:sp>
-    </p:spTree>
-  </p:cSld>
-  <p:clrMapOvr>
-    <a:masterClrMapping/>
-  </p:clrMapOvr>
-</p:sld>
-</file>
-
-<file path=ppt/slides/slide11.xml><?xml version="1.0" encoding="utf-8"?>
-<p:sld xmlns:a="http://schemas.openxmlformats.org/drawingml/2006/main" xmlns:r="http://schemas.openxmlformats.org/officeDocument/2006/relationships" xmlns:p="http://schemas.openxmlformats.org/presentationml/2006/main">
-  <p:cSld>
-    <p:spTree>
-      <p:nvGrpSpPr>
-        <p:cNvPr id="1" name=""/>
-        <p:cNvGrpSpPr/>
-        <p:nvPr/>
-      </p:nvGrpSpPr>
-      <p:grpSpPr>
-        <a:xfrm>
-          <a:off x="0" y="0"/>
-          <a:ext cx="0" cy="0"/>
-          <a:chOff x="0" y="0"/>
-          <a:chExt cx="0" cy="0"/>
-        </a:xfrm>
-      </p:grpSpPr>
-      <p:sp>
-        <p:nvSpPr>
-          <p:cNvPr id="2" name="object 2"/>
-          <p:cNvSpPr txBox="1"/>
-          <p:nvPr/>
-        </p:nvSpPr>
-        <p:spPr>
-          <a:xfrm>
-            <a:off x="752475" y="6486037"/>
-            <a:ext cx="1773555" cy="166370"/>
-          </a:xfrm>
-          <a:prstGeom prst="rect">
-            <a:avLst/>
-          </a:prstGeom>
-        </p:spPr>
-        <p:txBody>
-          <a:bodyPr vert="horz" wrap="square" lIns="0" tIns="0" rIns="0" bIns="0" rtlCol="0">
-            <a:spAutoFit/>
-          </a:bodyPr>
-          <a:lstStyle/>
-          <a:p>
-            <a:pPr>
-              <a:lnSpc>
-                <a:spcPts val="1275"/>
-              </a:lnSpc>
-            </a:pPr>
-            <a:r>
-              <a:rPr sz="1100" spc="20" dirty="0">
-                <a:solidFill>
-                  <a:srgbClr val="2D83C3"/>
-                </a:solidFill>
-                <a:latin typeface="Trebuchet MS"/>
-                <a:cs typeface="Trebuchet MS"/>
-              </a:rPr>
-              <a:t>3/21/202</a:t>
-            </a:r>
-            <a:r>
-              <a:rPr sz="1100" spc="10" dirty="0">
-                <a:solidFill>
-                  <a:srgbClr val="2D83C3"/>
-                </a:solidFill>
-                <a:latin typeface="Trebuchet MS"/>
-                <a:cs typeface="Trebuchet MS"/>
-              </a:rPr>
-              <a:t>4</a:t>
-            </a:r>
-            <a:r>
-              <a:rPr sz="1100" dirty="0">
-                <a:solidFill>
-                  <a:srgbClr val="2D83C3"/>
-                </a:solidFill>
-                <a:latin typeface="Trebuchet MS"/>
-                <a:cs typeface="Trebuchet MS"/>
-              </a:rPr>
-              <a:t> </a:t>
-            </a:r>
-            <a:r>
-              <a:rPr sz="1100" spc="130" dirty="0">
-                <a:solidFill>
-                  <a:srgbClr val="2D83C3"/>
-                </a:solidFill>
-                <a:latin typeface="Trebuchet MS"/>
-                <a:cs typeface="Trebuchet MS"/>
-              </a:rPr>
-              <a:t> </a:t>
-            </a:r>
-            <a:r>
-              <a:rPr sz="1100" b="1" spc="50" dirty="0">
-                <a:solidFill>
-                  <a:srgbClr val="2D83C3"/>
-                </a:solidFill>
-                <a:latin typeface="Trebuchet MS"/>
-                <a:cs typeface="Trebuchet MS"/>
-              </a:rPr>
-              <a:t>A</a:t>
-            </a:r>
-            <a:r>
-              <a:rPr sz="1100" b="1" spc="15" dirty="0">
-                <a:solidFill>
-                  <a:srgbClr val="2D83C3"/>
-                </a:solidFill>
-                <a:latin typeface="Trebuchet MS"/>
-                <a:cs typeface="Trebuchet MS"/>
-              </a:rPr>
-              <a:t>nnu</a:t>
-            </a:r>
-            <a:r>
-              <a:rPr sz="1100" b="1" spc="10" dirty="0">
-                <a:solidFill>
-                  <a:srgbClr val="2D83C3"/>
-                </a:solidFill>
-                <a:latin typeface="Trebuchet MS"/>
-                <a:cs typeface="Trebuchet MS"/>
-              </a:rPr>
-              <a:t>al</a:t>
-            </a:r>
-            <a:r>
-              <a:rPr sz="1100" b="1" spc="-140" dirty="0">
-                <a:solidFill>
-                  <a:srgbClr val="2D83C3"/>
-                </a:solidFill>
-                <a:latin typeface="Trebuchet MS"/>
-                <a:cs typeface="Trebuchet MS"/>
-              </a:rPr>
-              <a:t> </a:t>
-            </a:r>
-            <a:r>
-              <a:rPr sz="1100" b="1" dirty="0">
-                <a:solidFill>
-                  <a:srgbClr val="2D83C3"/>
-                </a:solidFill>
-                <a:latin typeface="Trebuchet MS"/>
-                <a:cs typeface="Trebuchet MS"/>
-              </a:rPr>
-              <a:t>R</a:t>
-            </a:r>
-            <a:r>
-              <a:rPr sz="1100" b="1" spc="35" dirty="0">
-                <a:solidFill>
-                  <a:srgbClr val="2D83C3"/>
-                </a:solidFill>
-                <a:latin typeface="Trebuchet MS"/>
-                <a:cs typeface="Trebuchet MS"/>
-              </a:rPr>
-              <a:t>e</a:t>
-            </a:r>
-            <a:r>
-              <a:rPr sz="1100" b="1" spc="90" dirty="0">
-                <a:solidFill>
-                  <a:srgbClr val="2D83C3"/>
-                </a:solidFill>
-                <a:latin typeface="Trebuchet MS"/>
-                <a:cs typeface="Trebuchet MS"/>
-              </a:rPr>
-              <a:t>v</a:t>
-            </a:r>
-            <a:r>
-              <a:rPr sz="1100" b="1" spc="-35" dirty="0">
-                <a:solidFill>
-                  <a:srgbClr val="2D83C3"/>
-                </a:solidFill>
-                <a:latin typeface="Trebuchet MS"/>
-                <a:cs typeface="Trebuchet MS"/>
-              </a:rPr>
-              <a:t>i</a:t>
-            </a:r>
-            <a:r>
-              <a:rPr sz="1100" b="1" spc="35" dirty="0">
-                <a:solidFill>
-                  <a:srgbClr val="2D83C3"/>
-                </a:solidFill>
-                <a:latin typeface="Trebuchet MS"/>
-                <a:cs typeface="Trebuchet MS"/>
-              </a:rPr>
-              <a:t>e</a:t>
-            </a:r>
-            <a:r>
-              <a:rPr sz="1100" b="1" spc="15" dirty="0">
-                <a:solidFill>
-                  <a:srgbClr val="2D83C3"/>
-                </a:solidFill>
-                <a:latin typeface="Trebuchet MS"/>
-                <a:cs typeface="Trebuchet MS"/>
-              </a:rPr>
-              <a:t>w</a:t>
-            </a:r>
-            <a:endParaRPr sz="1100">
-              <a:latin typeface="Trebuchet MS"/>
-              <a:cs typeface="Trebuchet MS"/>
-            </a:endParaRPr>
-          </a:p>
-        </p:txBody>
-      </p:sp>
-      <p:sp>
-        <p:nvSpPr>
-          <p:cNvPr id="3" name="object 3"/>
-          <p:cNvSpPr/>
-          <p:nvPr/>
-        </p:nvSpPr>
-        <p:spPr>
-          <a:xfrm>
-            <a:off x="9353550" y="5362575"/>
-            <a:ext cx="457200" cy="457200"/>
-          </a:xfrm>
-          <a:custGeom>
-            <a:avLst/>
-            <a:gdLst/>
-            <a:ahLst/>
-            <a:cxnLst/>
-            <a:rect l="l" t="t" r="r" b="b"/>
-            <a:pathLst>
-              <a:path w="457200" h="457200">
-                <a:moveTo>
-                  <a:pt x="457200" y="0"/>
-                </a:moveTo>
-                <a:lnTo>
-                  <a:pt x="0" y="0"/>
-                </a:lnTo>
-                <a:lnTo>
-                  <a:pt x="0" y="457200"/>
-                </a:lnTo>
-                <a:lnTo>
-                  <a:pt x="457200" y="457200"/>
-                </a:lnTo>
-                <a:lnTo>
-                  <a:pt x="457200" y="0"/>
-                </a:lnTo>
-                <a:close/>
-              </a:path>
-            </a:pathLst>
-          </a:custGeom>
-          <a:solidFill>
-            <a:srgbClr val="42AF51"/>
-          </a:solidFill>
-        </p:spPr>
-        <p:txBody>
-          <a:bodyPr wrap="square" lIns="0" tIns="0" rIns="0" bIns="0" rtlCol="0"/>
-          <a:lstStyle/>
-          <a:p>
-            <a:endParaRPr/>
-          </a:p>
-        </p:txBody>
-      </p:sp>
-      <p:sp>
-        <p:nvSpPr>
-          <p:cNvPr id="4" name="object 4"/>
-          <p:cNvSpPr/>
-          <p:nvPr/>
-        </p:nvSpPr>
-        <p:spPr>
-          <a:xfrm>
-            <a:off x="6696075" y="1695450"/>
-            <a:ext cx="314325" cy="323850"/>
-          </a:xfrm>
-          <a:custGeom>
-            <a:avLst/>
-            <a:gdLst/>
-            <a:ahLst/>
-            <a:cxnLst/>
-            <a:rect l="l" t="t" r="r" b="b"/>
-            <a:pathLst>
-              <a:path w="314325" h="323850">
-                <a:moveTo>
-                  <a:pt x="314325" y="0"/>
-                </a:moveTo>
-                <a:lnTo>
-                  <a:pt x="0" y="0"/>
-                </a:lnTo>
-                <a:lnTo>
-                  <a:pt x="0" y="323850"/>
-                </a:lnTo>
-                <a:lnTo>
-                  <a:pt x="314325" y="323850"/>
-                </a:lnTo>
-                <a:lnTo>
-                  <a:pt x="314325" y="0"/>
-                </a:lnTo>
-                <a:close/>
-              </a:path>
-            </a:pathLst>
-          </a:custGeom>
-          <a:solidFill>
-            <a:srgbClr val="2D83C3"/>
-          </a:solidFill>
-        </p:spPr>
-        <p:txBody>
-          <a:bodyPr wrap="square" lIns="0" tIns="0" rIns="0" bIns="0" rtlCol="0"/>
-          <a:lstStyle/>
-          <a:p>
-            <a:endParaRPr/>
-          </a:p>
-        </p:txBody>
-      </p:sp>
-      <p:sp>
-        <p:nvSpPr>
-          <p:cNvPr id="5" name="object 5"/>
-          <p:cNvSpPr/>
-          <p:nvPr/>
-        </p:nvSpPr>
-        <p:spPr>
-          <a:xfrm>
-            <a:off x="9353550" y="5895975"/>
-            <a:ext cx="180975" cy="180975"/>
-          </a:xfrm>
-          <a:custGeom>
-            <a:avLst/>
-            <a:gdLst/>
-            <a:ahLst/>
-            <a:cxnLst/>
-            <a:rect l="l" t="t" r="r" b="b"/>
-            <a:pathLst>
-              <a:path w="180975" h="180975">
-                <a:moveTo>
-                  <a:pt x="180975" y="0"/>
-                </a:moveTo>
-                <a:lnTo>
-                  <a:pt x="0" y="0"/>
-                </a:lnTo>
-                <a:lnTo>
-                  <a:pt x="0" y="180975"/>
-                </a:lnTo>
-                <a:lnTo>
-                  <a:pt x="180975" y="180975"/>
-                </a:lnTo>
-                <a:lnTo>
-                  <a:pt x="180975" y="0"/>
-                </a:lnTo>
-                <a:close/>
-              </a:path>
-            </a:pathLst>
-          </a:custGeom>
-          <a:solidFill>
-            <a:srgbClr val="2D936B"/>
-          </a:solidFill>
-        </p:spPr>
-        <p:txBody>
-          <a:bodyPr wrap="square" lIns="0" tIns="0" rIns="0" bIns="0" rtlCol="0"/>
-          <a:lstStyle/>
-          <a:p>
-            <a:endParaRPr/>
-          </a:p>
-        </p:txBody>
-      </p:sp>
-      <p:pic>
-        <p:nvPicPr>
-          <p:cNvPr id="6" name="object 6"/>
-          <p:cNvPicPr/>
-          <p:nvPr/>
-        </p:nvPicPr>
-        <p:blipFill>
-          <a:blip r:embed="rId2" cstate="print"/>
-          <a:stretch>
-            <a:fillRect/>
-          </a:stretch>
-        </p:blipFill>
-        <p:spPr>
-          <a:xfrm>
-            <a:off x="1666875" y="6467475"/>
-            <a:ext cx="76200" cy="177800"/>
-          </a:xfrm>
-          <a:prstGeom prst="rect">
-            <a:avLst/>
-          </a:prstGeom>
-        </p:spPr>
-      </p:pic>
-      <p:sp>
-        <p:nvSpPr>
-          <p:cNvPr id="7" name="object 7"/>
-          <p:cNvSpPr txBox="1">
-            <a:spLocks noGrp="1"/>
-          </p:cNvSpPr>
-          <p:nvPr>
-            <p:ph type="title"/>
-          </p:nvPr>
-        </p:nvSpPr>
-        <p:spPr>
-          <a:xfrm>
-            <a:off x="755332" y="385444"/>
-            <a:ext cx="2437130" cy="758190"/>
-          </a:xfrm>
-          <a:prstGeom prst="rect">
-            <a:avLst/>
-          </a:prstGeom>
-        </p:spPr>
-        <p:txBody>
-          <a:bodyPr vert="horz" wrap="square" lIns="0" tIns="13335" rIns="0" bIns="0" rtlCol="0">
-            <a:spAutoFit/>
-          </a:bodyPr>
-          <a:lstStyle/>
-          <a:p>
-            <a:pPr marL="12700">
-              <a:lnSpc>
-                <a:spcPct val="100000"/>
-              </a:lnSpc>
-              <a:spcBef>
-                <a:spcPts val="105"/>
-              </a:spcBef>
-            </a:pPr>
-            <a:r>
-              <a:rPr dirty="0"/>
-              <a:t>R</a:t>
-            </a:r>
-            <a:r>
-              <a:rPr spc="-40" dirty="0"/>
-              <a:t>E</a:t>
-            </a:r>
-            <a:r>
-              <a:rPr spc="15" dirty="0"/>
-              <a:t>S</a:t>
-            </a:r>
-            <a:r>
-              <a:rPr spc="-30" dirty="0"/>
-              <a:t>U</a:t>
-            </a:r>
-            <a:r>
-              <a:rPr spc="-405" dirty="0"/>
-              <a:t>L</a:t>
-            </a:r>
-            <a:r>
-              <a:rPr dirty="0"/>
-              <a:t>TS</a:t>
-            </a:r>
-          </a:p>
-        </p:txBody>
-      </p:sp>
-      <p:sp>
-        <p:nvSpPr>
-          <p:cNvPr id="9" name="object 9"/>
-          <p:cNvSpPr txBox="1"/>
-          <p:nvPr/>
-        </p:nvSpPr>
-        <p:spPr>
-          <a:xfrm>
-            <a:off x="11277218" y="6473337"/>
-            <a:ext cx="228600" cy="191770"/>
-          </a:xfrm>
-          <a:prstGeom prst="rect">
-            <a:avLst/>
-          </a:prstGeom>
-        </p:spPr>
-        <p:txBody>
-          <a:bodyPr vert="horz" wrap="square" lIns="0" tIns="6985" rIns="0" bIns="0" rtlCol="0">
-            <a:spAutoFit/>
-          </a:bodyPr>
-          <a:lstStyle/>
-          <a:p>
-            <a:pPr marL="38100">
-              <a:lnSpc>
-                <a:spcPct val="100000"/>
-              </a:lnSpc>
-              <a:spcBef>
-                <a:spcPts val="55"/>
-              </a:spcBef>
-            </a:pPr>
-            <a:fld id="{81D60167-4931-47E6-BA6A-407CBD079E47}" type="slidenum">
-              <a:rPr sz="1100" spc="10" dirty="0">
-                <a:solidFill>
-                  <a:srgbClr val="2D936B"/>
-                </a:solidFill>
-                <a:latin typeface="Trebuchet MS"/>
-                <a:cs typeface="Trebuchet MS"/>
-              </a:rPr>
-              <a:t>11</a:t>
             </a:fld>
             <a:endParaRPr sz="1100">
               <a:latin typeface="Trebuchet MS"/>
@@ -4421,7 +3523,7 @@
 </p:sld>
 </file>
 
-<file path=ppt/slides/slide12.xml><?xml version="1.0" encoding="utf-8"?>
+<file path=ppt/slides/slide11.xml><?xml version="1.0" encoding="utf-8"?>
 <p:sld xmlns:a="http://schemas.openxmlformats.org/drawingml/2006/main" xmlns:r="http://schemas.openxmlformats.org/officeDocument/2006/relationships" xmlns:p="http://schemas.openxmlformats.org/presentationml/2006/main">
   <p:cSld>
     <p:spTree>
@@ -5665,113 +4767,6 @@
 </file>
 
 <file path=ppt/slides/slide3.xml><?xml version="1.0" encoding="utf-8"?>
-<p:sld xmlns:a="http://schemas.openxmlformats.org/drawingml/2006/main" xmlns:r="http://schemas.openxmlformats.org/officeDocument/2006/relationships" xmlns:p="http://schemas.openxmlformats.org/presentationml/2006/main">
-  <p:cSld>
-    <p:spTree>
-      <p:nvGrpSpPr>
-        <p:cNvPr id="1" name=""/>
-        <p:cNvGrpSpPr/>
-        <p:nvPr/>
-      </p:nvGrpSpPr>
-      <p:grpSpPr>
-        <a:xfrm>
-          <a:off x="0" y="0"/>
-          <a:ext cx="0" cy="0"/>
-          <a:chOff x="0" y="0"/>
-          <a:chExt cx="0" cy="0"/>
-        </a:xfrm>
-      </p:grpSpPr>
-      <p:sp>
-        <p:nvSpPr>
-          <p:cNvPr id="2" name="Title 1">
-            <a:extLst>
-              <a:ext uri="{FF2B5EF4-FFF2-40B4-BE49-F238E27FC236}">
-                <a16:creationId xmlns:a16="http://schemas.microsoft.com/office/drawing/2014/main" id="{A9B3CF40-DDC9-1230-F8C3-87F1CB94DECF}"/>
-              </a:ext>
-            </a:extLst>
-          </p:cNvPr>
-          <p:cNvSpPr>
-            <a:spLocks noGrp="1"/>
-          </p:cNvSpPr>
-          <p:nvPr>
-            <p:ph type="title" idx="4294967295"/>
-          </p:nvPr>
-        </p:nvSpPr>
-        <p:spPr>
-          <a:xfrm>
-            <a:off x="381000" y="409140"/>
-            <a:ext cx="8991600" cy="1354137"/>
-          </a:xfrm>
-        </p:spPr>
-        <p:txBody>
-          <a:bodyPr/>
-          <a:lstStyle/>
-          <a:p>
-            <a:r>
-              <a:rPr lang="en-US" sz="2000" dirty="0">
-                <a:latin typeface="Times New Roman" panose="02020603050405020304" pitchFamily="18" charset="0"/>
-                <a:cs typeface="Times New Roman" panose="02020603050405020304" pitchFamily="18" charset="0"/>
-              </a:rPr>
-              <a:t>Software Keyloggers</a:t>
-            </a:r>
-            <a:r>
-              <a:rPr lang="en-US" sz="2000" b="0" dirty="0">
-                <a:latin typeface="Times New Roman" panose="02020603050405020304" pitchFamily="18" charset="0"/>
-                <a:cs typeface="Times New Roman" panose="02020603050405020304" pitchFamily="18" charset="0"/>
-              </a:rPr>
-              <a:t>: These are programs installed on a target device to capture keystrokes. They operate at different levels of the system</a:t>
-            </a:r>
-            <a:br>
-              <a:rPr lang="en-US" sz="4800" dirty="0"/>
-            </a:br>
-            <a:endParaRPr lang="en-IN" dirty="0"/>
-          </a:p>
-        </p:txBody>
-      </p:sp>
-      <p:pic>
-        <p:nvPicPr>
-          <p:cNvPr id="7" name="Picture 6">
-            <a:extLst>
-              <a:ext uri="{FF2B5EF4-FFF2-40B4-BE49-F238E27FC236}">
-                <a16:creationId xmlns:a16="http://schemas.microsoft.com/office/drawing/2014/main" id="{AB839D6F-6202-44B0-C9C5-3DF9DE3A4745}"/>
-              </a:ext>
-            </a:extLst>
-          </p:cNvPr>
-          <p:cNvPicPr>
-            <a:picLocks noChangeAspect="1"/>
-          </p:cNvPicPr>
-          <p:nvPr/>
-        </p:nvPicPr>
-        <p:blipFill>
-          <a:blip r:embed="rId2"/>
-          <a:stretch>
-            <a:fillRect/>
-          </a:stretch>
-        </p:blipFill>
-        <p:spPr>
-          <a:xfrm>
-            <a:off x="685800" y="1600200"/>
-            <a:ext cx="8864352" cy="4194412"/>
-          </a:xfrm>
-          <a:prstGeom prst="rect">
-            <a:avLst/>
-          </a:prstGeom>
-        </p:spPr>
-      </p:pic>
-    </p:spTree>
-    <p:extLst>
-      <p:ext uri="{BB962C8B-B14F-4D97-AF65-F5344CB8AC3E}">
-        <p14:creationId xmlns:p14="http://schemas.microsoft.com/office/powerpoint/2010/main" val="1176003907"/>
-      </p:ext>
-    </p:extLst>
-  </p:cSld>
-  <p:clrMapOvr>
-    <a:masterClrMapping/>
-  </p:clrMapOvr>
-</p:sld>
-</file>
-
-<file path=ppt/slides/slide4.xml><?xml version="1.0" encoding="utf-8"?>
 <p:sld xmlns:a="http://schemas.openxmlformats.org/drawingml/2006/main" xmlns:r="http://schemas.openxmlformats.org/officeDocument/2006/relationships" xmlns:p="http://schemas.openxmlformats.org/presentationml/2006/main" showMasterSp="0">
   <p:cSld>
     <p:spTree>
@@ -5796,7 +4791,7 @@
         </p:nvSpPr>
         <p:spPr>
           <a:xfrm>
-            <a:off x="0" y="0"/>
+            <a:off x="-36739" y="55793"/>
             <a:ext cx="12192000" cy="6858000"/>
           </a:xfrm>
           <a:custGeom>
@@ -6949,22 +5944,29 @@
         <p:spPr>
           <a:xfrm>
             <a:off x="2224150" y="1614430"/>
-            <a:ext cx="6773524" cy="4124206"/>
+            <a:ext cx="6773524" cy="4108817"/>
           </a:xfrm>
         </p:spPr>
         <p:txBody>
           <a:bodyPr/>
           <a:lstStyle/>
+          <a:p>
+            <a:pPr algn="just"/>
+            <a:endParaRPr lang="en-IN" sz="2500" dirty="0">
+              <a:latin typeface="Times New Roman" panose="02020603050405020304" pitchFamily="18" charset="0"/>
+              <a:cs typeface="Times New Roman" panose="02020603050405020304" pitchFamily="18" charset="0"/>
+            </a:endParaRPr>
+          </a:p>
           <a:p>
             <a:pPr marL="342900" indent="-342900" algn="just">
               <a:buAutoNum type="arabicPeriod"/>
             </a:pPr>
             <a:r>
-              <a:rPr lang="en-IN" sz="2500" dirty="0">
+              <a:rPr lang="en-IN" sz="2800" dirty="0">
                 <a:latin typeface="Times New Roman" panose="02020603050405020304" pitchFamily="18" charset="0"/>
                 <a:cs typeface="Times New Roman" panose="02020603050405020304" pitchFamily="18" charset="0"/>
               </a:rPr>
-              <a:t>Introduction to Keyloggers</a:t>
+              <a:t>Problem statement</a:t>
             </a:r>
           </a:p>
           <a:p>
@@ -6972,11 +5974,11 @@
               <a:buAutoNum type="arabicPeriod"/>
             </a:pPr>
             <a:r>
-              <a:rPr lang="en-IN" sz="2500" dirty="0">
+              <a:rPr lang="en-IN" sz="2800" dirty="0">
                 <a:latin typeface="Times New Roman" panose="02020603050405020304" pitchFamily="18" charset="0"/>
                 <a:cs typeface="Times New Roman" panose="02020603050405020304" pitchFamily="18" charset="0"/>
               </a:rPr>
-              <a:t>Problem statement</a:t>
+              <a:t>Project overview</a:t>
             </a:r>
           </a:p>
           <a:p>
@@ -6984,11 +5986,11 @@
               <a:buAutoNum type="arabicPeriod"/>
             </a:pPr>
             <a:r>
-              <a:rPr lang="en-IN" sz="2500" dirty="0">
+              <a:rPr lang="en-IN" sz="2800" dirty="0">
                 <a:latin typeface="Times New Roman" panose="02020603050405020304" pitchFamily="18" charset="0"/>
                 <a:cs typeface="Times New Roman" panose="02020603050405020304" pitchFamily="18" charset="0"/>
               </a:rPr>
-              <a:t>Project overview</a:t>
+              <a:t>Who are the end users?</a:t>
             </a:r>
           </a:p>
           <a:p>
@@ -6996,11 +5998,11 @@
               <a:buAutoNum type="arabicPeriod"/>
             </a:pPr>
             <a:r>
-              <a:rPr lang="en-IN" sz="2500" dirty="0">
+              <a:rPr lang="en-IN" sz="2800" dirty="0">
                 <a:latin typeface="Times New Roman" panose="02020603050405020304" pitchFamily="18" charset="0"/>
                 <a:cs typeface="Times New Roman" panose="02020603050405020304" pitchFamily="18" charset="0"/>
               </a:rPr>
-              <a:t>Who are the end users?</a:t>
+              <a:t>Solution and its value proposition</a:t>
             </a:r>
           </a:p>
           <a:p>
@@ -7008,11 +6010,11 @@
               <a:buAutoNum type="arabicPeriod"/>
             </a:pPr>
             <a:r>
-              <a:rPr lang="en-IN" sz="2500" dirty="0">
+              <a:rPr lang="en-IN" sz="2800" dirty="0">
                 <a:latin typeface="Times New Roman" panose="02020603050405020304" pitchFamily="18" charset="0"/>
                 <a:cs typeface="Times New Roman" panose="02020603050405020304" pitchFamily="18" charset="0"/>
               </a:rPr>
-              <a:t>Solution and its value proposition</a:t>
+              <a:t>The wow in your solution</a:t>
             </a:r>
           </a:p>
           <a:p>
@@ -7020,11 +6022,11 @@
               <a:buAutoNum type="arabicPeriod"/>
             </a:pPr>
             <a:r>
-              <a:rPr lang="en-IN" sz="2500" dirty="0">
+              <a:rPr lang="en-IN" sz="2800" dirty="0">
                 <a:latin typeface="Times New Roman" panose="02020603050405020304" pitchFamily="18" charset="0"/>
                 <a:cs typeface="Times New Roman" panose="02020603050405020304" pitchFamily="18" charset="0"/>
               </a:rPr>
-              <a:t>The wow in your solution</a:t>
+              <a:t>Modelling</a:t>
             </a:r>
           </a:p>
           <a:p>
@@ -7032,11 +6034,11 @@
               <a:buAutoNum type="arabicPeriod"/>
             </a:pPr>
             <a:r>
-              <a:rPr lang="en-IN" sz="2500" dirty="0">
+              <a:rPr lang="en-IN" sz="2800" dirty="0">
                 <a:latin typeface="Times New Roman" panose="02020603050405020304" pitchFamily="18" charset="0"/>
                 <a:cs typeface="Times New Roman" panose="02020603050405020304" pitchFamily="18" charset="0"/>
               </a:rPr>
-              <a:t>Detection of Keyloggers</a:t>
+              <a:t>Results</a:t>
             </a:r>
           </a:p>
           <a:p>
@@ -7044,35 +6046,11 @@
               <a:buAutoNum type="arabicPeriod"/>
             </a:pPr>
             <a:r>
-              <a:rPr lang="en-IN" sz="2500" dirty="0">
+              <a:rPr lang="en-IN" sz="2800" dirty="0">
                 <a:latin typeface="Times New Roman" panose="02020603050405020304" pitchFamily="18" charset="0"/>
                 <a:cs typeface="Times New Roman" panose="02020603050405020304" pitchFamily="18" charset="0"/>
               </a:rPr>
-              <a:t>Prevention and Protection Strategies</a:t>
-            </a:r>
-          </a:p>
-          <a:p>
-            <a:pPr marL="342900" indent="-342900" algn="just">
-              <a:buAutoNum type="arabicPeriod"/>
-            </a:pPr>
-            <a:r>
-              <a:rPr lang="en-IN" sz="2500" dirty="0">
-                <a:latin typeface="Times New Roman" panose="02020603050405020304" pitchFamily="18" charset="0"/>
-                <a:cs typeface="Times New Roman" panose="02020603050405020304" pitchFamily="18" charset="0"/>
-              </a:rPr>
-              <a:t>Modelling</a:t>
-            </a:r>
-          </a:p>
-          <a:p>
-            <a:pPr marL="342900" indent="-342900" algn="just">
-              <a:buAutoNum type="arabicPeriod"/>
-            </a:pPr>
-            <a:r>
-              <a:rPr lang="en-IN" sz="2500" dirty="0">
-                <a:latin typeface="Times New Roman" panose="02020603050405020304" pitchFamily="18" charset="0"/>
-                <a:cs typeface="Times New Roman" panose="02020603050405020304" pitchFamily="18" charset="0"/>
-              </a:rPr>
-              <a:t>Results</a:t>
+              <a:t>Project Link</a:t>
             </a:r>
           </a:p>
           <a:p>
@@ -7111,7 +6089,7 @@
             </a:pPr>
             <a:fld id="{81D60167-4931-47E6-BA6A-407CBD079E47}" type="slidenum">
               <a:rPr spc="10" dirty="0"/>
-              <a:t>4</a:t>
+              <a:t>3</a:t>
             </a:fld>
             <a:endParaRPr spc="10" dirty="0"/>
           </a:p>
@@ -7125,7 +6103,7 @@
 </p:sld>
 </file>
 
-<file path=ppt/slides/slide5.xml><?xml version="1.0" encoding="utf-8"?>
+<file path=ppt/slides/slide4.xml><?xml version="1.0" encoding="utf-8"?>
 <p:sld xmlns:a="http://schemas.openxmlformats.org/drawingml/2006/main" xmlns:r="http://schemas.openxmlformats.org/officeDocument/2006/relationships" xmlns:p="http://schemas.openxmlformats.org/presentationml/2006/main">
   <p:cSld>
     <p:spTree>
@@ -7449,7 +6427,7 @@
             </a:pPr>
             <a:fld id="{81D60167-4931-47E6-BA6A-407CBD079E47}" type="slidenum">
               <a:rPr spc="10" dirty="0"/>
-              <a:t>5</a:t>
+              <a:t>4</a:t>
             </a:fld>
             <a:endParaRPr spc="10" dirty="0"/>
           </a:p>
@@ -7661,7 +6639,7 @@
 </p:sld>
 </file>
 
-<file path=ppt/slides/slide6.xml><?xml version="1.0" encoding="utf-8"?>
+<file path=ppt/slides/slide5.xml><?xml version="1.0" encoding="utf-8"?>
 <p:sld xmlns:a="http://schemas.openxmlformats.org/drawingml/2006/main" xmlns:r="http://schemas.openxmlformats.org/officeDocument/2006/relationships" xmlns:p="http://schemas.openxmlformats.org/presentationml/2006/main">
   <p:cSld>
     <p:spTree>
@@ -8009,7 +6987,7 @@
             </a:pPr>
             <a:fld id="{81D60167-4931-47E6-BA6A-407CBD079E47}" type="slidenum">
               <a:rPr spc="10" dirty="0"/>
-              <a:t>6</a:t>
+              <a:t>5</a:t>
             </a:fld>
             <a:endParaRPr spc="10" dirty="0"/>
           </a:p>
@@ -8221,7 +7199,7 @@
 </p:sld>
 </file>
 
-<file path=ppt/slides/slide7.xml><?xml version="1.0" encoding="utf-8"?>
+<file path=ppt/slides/slide6.xml><?xml version="1.0" encoding="utf-8"?>
 <p:sld xmlns:a="http://schemas.openxmlformats.org/drawingml/2006/main" xmlns:r="http://schemas.openxmlformats.org/officeDocument/2006/relationships" xmlns:p="http://schemas.openxmlformats.org/presentationml/2006/main">
   <p:cSld>
     <p:spTree>
@@ -8576,7 +7554,7 @@
             </a:pPr>
             <a:fld id="{81D60167-4931-47E6-BA6A-407CBD079E47}" type="slidenum">
               <a:rPr spc="10" dirty="0"/>
-              <a:t>7</a:t>
+              <a:t>6</a:t>
             </a:fld>
             <a:endParaRPr spc="10" dirty="0"/>
           </a:p>
@@ -8788,7 +7766,7 @@
 </p:sld>
 </file>
 
-<file path=ppt/slides/slide8.xml><?xml version="1.0" encoding="utf-8"?>
+<file path=ppt/slides/slide7.xml><?xml version="1.0" encoding="utf-8"?>
 <p:sld xmlns:a="http://schemas.openxmlformats.org/drawingml/2006/main" xmlns:r="http://schemas.openxmlformats.org/officeDocument/2006/relationships" xmlns:p="http://schemas.openxmlformats.org/presentationml/2006/main">
   <p:cSld>
     <p:spTree>
@@ -9138,7 +8116,7 @@
             </a:pPr>
             <a:fld id="{81D60167-4931-47E6-BA6A-407CBD079E47}" type="slidenum">
               <a:rPr spc="10" dirty="0"/>
-              <a:t>8</a:t>
+              <a:t>7</a:t>
             </a:fld>
             <a:endParaRPr spc="10" dirty="0"/>
           </a:p>
@@ -9811,7 +8789,7 @@
 </p:sld>
 </file>
 
-<file path=ppt/slides/slide9.xml><?xml version="1.0" encoding="utf-8"?>
+<file path=ppt/slides/slide8.xml><?xml version="1.0" encoding="utf-8"?>
 <p:sld xmlns:a="http://schemas.openxmlformats.org/drawingml/2006/main" xmlns:r="http://schemas.openxmlformats.org/officeDocument/2006/relationships" xmlns:p="http://schemas.openxmlformats.org/presentationml/2006/main">
   <p:cSld>
     <p:spTree>
@@ -10233,7 +9211,7 @@
                 <a:latin typeface="Trebuchet MS"/>
                 <a:cs typeface="Trebuchet MS"/>
               </a:rPr>
-              <a:t>9</a:t>
+              <a:t>8</a:t>
             </a:fld>
             <a:endParaRPr sz="1100">
               <a:latin typeface="Trebuchet MS"/>
@@ -10445,6 +9423,903 @@
               </a:rPr>
               <a:t> Provide step-by-step guides or tools that empower users to take control of their cybersecurity, making them feel more capable and secure.</a:t>
             </a:r>
+          </a:p>
+        </p:txBody>
+      </p:sp>
+    </p:spTree>
+  </p:cSld>
+  <p:clrMapOvr>
+    <a:masterClrMapping/>
+  </p:clrMapOvr>
+</p:sld>
+</file>
+
+<file path=ppt/slides/slide9.xml><?xml version="1.0" encoding="utf-8"?>
+<p:sld xmlns:a="http://schemas.openxmlformats.org/drawingml/2006/main" xmlns:r="http://schemas.openxmlformats.org/officeDocument/2006/relationships" xmlns:p="http://schemas.openxmlformats.org/presentationml/2006/main">
+  <p:cSld>
+    <p:spTree>
+      <p:nvGrpSpPr>
+        <p:cNvPr id="1" name=""/>
+        <p:cNvGrpSpPr/>
+        <p:nvPr/>
+      </p:nvGrpSpPr>
+      <p:grpSpPr>
+        <a:xfrm>
+          <a:off x="0" y="0"/>
+          <a:ext cx="0" cy="0"/>
+          <a:chOff x="0" y="0"/>
+          <a:chExt cx="0" cy="0"/>
+        </a:xfrm>
+      </p:grpSpPr>
+      <p:sp>
+        <p:nvSpPr>
+          <p:cNvPr id="2" name="object 2"/>
+          <p:cNvSpPr txBox="1"/>
+          <p:nvPr/>
+        </p:nvSpPr>
+        <p:spPr>
+          <a:xfrm>
+            <a:off x="752475" y="6486037"/>
+            <a:ext cx="1773555" cy="166370"/>
+          </a:xfrm>
+          <a:prstGeom prst="rect">
+            <a:avLst/>
+          </a:prstGeom>
+        </p:spPr>
+        <p:txBody>
+          <a:bodyPr vert="horz" wrap="square" lIns="0" tIns="0" rIns="0" bIns="0" rtlCol="0">
+            <a:spAutoFit/>
+          </a:bodyPr>
+          <a:lstStyle/>
+          <a:p>
+            <a:pPr>
+              <a:lnSpc>
+                <a:spcPts val="1275"/>
+              </a:lnSpc>
+            </a:pPr>
+            <a:r>
+              <a:rPr sz="1100" spc="20" dirty="0">
+                <a:solidFill>
+                  <a:srgbClr val="2D83C3"/>
+                </a:solidFill>
+                <a:latin typeface="Trebuchet MS"/>
+                <a:cs typeface="Trebuchet MS"/>
+              </a:rPr>
+              <a:t>3/21/202</a:t>
+            </a:r>
+            <a:r>
+              <a:rPr sz="1100" spc="10" dirty="0">
+                <a:solidFill>
+                  <a:srgbClr val="2D83C3"/>
+                </a:solidFill>
+                <a:latin typeface="Trebuchet MS"/>
+                <a:cs typeface="Trebuchet MS"/>
+              </a:rPr>
+              <a:t>4</a:t>
+            </a:r>
+            <a:r>
+              <a:rPr sz="1100" dirty="0">
+                <a:solidFill>
+                  <a:srgbClr val="2D83C3"/>
+                </a:solidFill>
+                <a:latin typeface="Trebuchet MS"/>
+                <a:cs typeface="Trebuchet MS"/>
+              </a:rPr>
+              <a:t> </a:t>
+            </a:r>
+            <a:r>
+              <a:rPr sz="1100" spc="130" dirty="0">
+                <a:solidFill>
+                  <a:srgbClr val="2D83C3"/>
+                </a:solidFill>
+                <a:latin typeface="Trebuchet MS"/>
+                <a:cs typeface="Trebuchet MS"/>
+              </a:rPr>
+              <a:t> </a:t>
+            </a:r>
+            <a:r>
+              <a:rPr sz="1100" b="1" spc="50" dirty="0">
+                <a:solidFill>
+                  <a:srgbClr val="2D83C3"/>
+                </a:solidFill>
+                <a:latin typeface="Trebuchet MS"/>
+                <a:cs typeface="Trebuchet MS"/>
+              </a:rPr>
+              <a:t>A</a:t>
+            </a:r>
+            <a:r>
+              <a:rPr sz="1100" b="1" spc="15" dirty="0">
+                <a:solidFill>
+                  <a:srgbClr val="2D83C3"/>
+                </a:solidFill>
+                <a:latin typeface="Trebuchet MS"/>
+                <a:cs typeface="Trebuchet MS"/>
+              </a:rPr>
+              <a:t>nnu</a:t>
+            </a:r>
+            <a:r>
+              <a:rPr sz="1100" b="1" spc="10" dirty="0">
+                <a:solidFill>
+                  <a:srgbClr val="2D83C3"/>
+                </a:solidFill>
+                <a:latin typeface="Trebuchet MS"/>
+                <a:cs typeface="Trebuchet MS"/>
+              </a:rPr>
+              <a:t>al</a:t>
+            </a:r>
+            <a:r>
+              <a:rPr sz="1100" b="1" spc="-140" dirty="0">
+                <a:solidFill>
+                  <a:srgbClr val="2D83C3"/>
+                </a:solidFill>
+                <a:latin typeface="Trebuchet MS"/>
+                <a:cs typeface="Trebuchet MS"/>
+              </a:rPr>
+              <a:t> </a:t>
+            </a:r>
+            <a:r>
+              <a:rPr sz="1100" b="1" dirty="0">
+                <a:solidFill>
+                  <a:srgbClr val="2D83C3"/>
+                </a:solidFill>
+                <a:latin typeface="Trebuchet MS"/>
+                <a:cs typeface="Trebuchet MS"/>
+              </a:rPr>
+              <a:t>R</a:t>
+            </a:r>
+            <a:r>
+              <a:rPr sz="1100" b="1" spc="35" dirty="0">
+                <a:solidFill>
+                  <a:srgbClr val="2D83C3"/>
+                </a:solidFill>
+                <a:latin typeface="Trebuchet MS"/>
+                <a:cs typeface="Trebuchet MS"/>
+              </a:rPr>
+              <a:t>e</a:t>
+            </a:r>
+            <a:r>
+              <a:rPr sz="1100" b="1" spc="90" dirty="0">
+                <a:solidFill>
+                  <a:srgbClr val="2D83C3"/>
+                </a:solidFill>
+                <a:latin typeface="Trebuchet MS"/>
+                <a:cs typeface="Trebuchet MS"/>
+              </a:rPr>
+              <a:t>v</a:t>
+            </a:r>
+            <a:r>
+              <a:rPr sz="1100" b="1" spc="-35" dirty="0">
+                <a:solidFill>
+                  <a:srgbClr val="2D83C3"/>
+                </a:solidFill>
+                <a:latin typeface="Trebuchet MS"/>
+                <a:cs typeface="Trebuchet MS"/>
+              </a:rPr>
+              <a:t>i</a:t>
+            </a:r>
+            <a:r>
+              <a:rPr sz="1100" b="1" spc="35" dirty="0">
+                <a:solidFill>
+                  <a:srgbClr val="2D83C3"/>
+                </a:solidFill>
+                <a:latin typeface="Trebuchet MS"/>
+                <a:cs typeface="Trebuchet MS"/>
+              </a:rPr>
+              <a:t>e</a:t>
+            </a:r>
+            <a:r>
+              <a:rPr sz="1100" b="1" spc="15" dirty="0">
+                <a:solidFill>
+                  <a:srgbClr val="2D83C3"/>
+                </a:solidFill>
+                <a:latin typeface="Trebuchet MS"/>
+                <a:cs typeface="Trebuchet MS"/>
+              </a:rPr>
+              <a:t>w</a:t>
+            </a:r>
+            <a:endParaRPr sz="1100">
+              <a:latin typeface="Trebuchet MS"/>
+              <a:cs typeface="Trebuchet MS"/>
+            </a:endParaRPr>
+          </a:p>
+        </p:txBody>
+      </p:sp>
+      <p:sp>
+        <p:nvSpPr>
+          <p:cNvPr id="3" name="object 3"/>
+          <p:cNvSpPr/>
+          <p:nvPr/>
+        </p:nvSpPr>
+        <p:spPr>
+          <a:xfrm>
+            <a:off x="9353550" y="5362575"/>
+            <a:ext cx="457200" cy="457200"/>
+          </a:xfrm>
+          <a:custGeom>
+            <a:avLst/>
+            <a:gdLst/>
+            <a:ahLst/>
+            <a:cxnLst/>
+            <a:rect l="l" t="t" r="r" b="b"/>
+            <a:pathLst>
+              <a:path w="457200" h="457200">
+                <a:moveTo>
+                  <a:pt x="457200" y="0"/>
+                </a:moveTo>
+                <a:lnTo>
+                  <a:pt x="0" y="0"/>
+                </a:lnTo>
+                <a:lnTo>
+                  <a:pt x="0" y="457200"/>
+                </a:lnTo>
+                <a:lnTo>
+                  <a:pt x="457200" y="457200"/>
+                </a:lnTo>
+                <a:lnTo>
+                  <a:pt x="457200" y="0"/>
+                </a:lnTo>
+                <a:close/>
+              </a:path>
+            </a:pathLst>
+          </a:custGeom>
+          <a:solidFill>
+            <a:srgbClr val="42AF51"/>
+          </a:solidFill>
+        </p:spPr>
+        <p:txBody>
+          <a:bodyPr wrap="square" lIns="0" tIns="0" rIns="0" bIns="0" rtlCol="0"/>
+          <a:lstStyle/>
+          <a:p>
+            <a:endParaRPr/>
+          </a:p>
+        </p:txBody>
+      </p:sp>
+      <p:sp>
+        <p:nvSpPr>
+          <p:cNvPr id="4" name="object 4"/>
+          <p:cNvSpPr/>
+          <p:nvPr/>
+        </p:nvSpPr>
+        <p:spPr>
+          <a:xfrm>
+            <a:off x="6696075" y="1695450"/>
+            <a:ext cx="314325" cy="323850"/>
+          </a:xfrm>
+          <a:custGeom>
+            <a:avLst/>
+            <a:gdLst/>
+            <a:ahLst/>
+            <a:cxnLst/>
+            <a:rect l="l" t="t" r="r" b="b"/>
+            <a:pathLst>
+              <a:path w="314325" h="323850">
+                <a:moveTo>
+                  <a:pt x="314325" y="0"/>
+                </a:moveTo>
+                <a:lnTo>
+                  <a:pt x="0" y="0"/>
+                </a:lnTo>
+                <a:lnTo>
+                  <a:pt x="0" y="323850"/>
+                </a:lnTo>
+                <a:lnTo>
+                  <a:pt x="314325" y="323850"/>
+                </a:lnTo>
+                <a:lnTo>
+                  <a:pt x="314325" y="0"/>
+                </a:lnTo>
+                <a:close/>
+              </a:path>
+            </a:pathLst>
+          </a:custGeom>
+          <a:solidFill>
+            <a:srgbClr val="2D83C3"/>
+          </a:solidFill>
+        </p:spPr>
+        <p:txBody>
+          <a:bodyPr wrap="square" lIns="0" tIns="0" rIns="0" bIns="0" rtlCol="0"/>
+          <a:lstStyle/>
+          <a:p>
+            <a:endParaRPr/>
+          </a:p>
+        </p:txBody>
+      </p:sp>
+      <p:sp>
+        <p:nvSpPr>
+          <p:cNvPr id="5" name="object 5"/>
+          <p:cNvSpPr/>
+          <p:nvPr/>
+        </p:nvSpPr>
+        <p:spPr>
+          <a:xfrm>
+            <a:off x="9353550" y="5895975"/>
+            <a:ext cx="180975" cy="180975"/>
+          </a:xfrm>
+          <a:custGeom>
+            <a:avLst/>
+            <a:gdLst/>
+            <a:ahLst/>
+            <a:cxnLst/>
+            <a:rect l="l" t="t" r="r" b="b"/>
+            <a:pathLst>
+              <a:path w="180975" h="180975">
+                <a:moveTo>
+                  <a:pt x="180975" y="0"/>
+                </a:moveTo>
+                <a:lnTo>
+                  <a:pt x="0" y="0"/>
+                </a:lnTo>
+                <a:lnTo>
+                  <a:pt x="0" y="180975"/>
+                </a:lnTo>
+                <a:lnTo>
+                  <a:pt x="180975" y="180975"/>
+                </a:lnTo>
+                <a:lnTo>
+                  <a:pt x="180975" y="0"/>
+                </a:lnTo>
+                <a:close/>
+              </a:path>
+            </a:pathLst>
+          </a:custGeom>
+          <a:solidFill>
+            <a:srgbClr val="2D936B"/>
+          </a:solidFill>
+        </p:spPr>
+        <p:txBody>
+          <a:bodyPr wrap="square" lIns="0" tIns="0" rIns="0" bIns="0" rtlCol="0"/>
+          <a:lstStyle/>
+          <a:p>
+            <a:endParaRPr/>
+          </a:p>
+        </p:txBody>
+      </p:sp>
+      <p:pic>
+        <p:nvPicPr>
+          <p:cNvPr id="6" name="object 6"/>
+          <p:cNvPicPr/>
+          <p:nvPr/>
+        </p:nvPicPr>
+        <p:blipFill>
+          <a:blip r:embed="rId2" cstate="print"/>
+          <a:stretch>
+            <a:fillRect/>
+          </a:stretch>
+        </p:blipFill>
+        <p:spPr>
+          <a:xfrm>
+            <a:off x="1666875" y="6467475"/>
+            <a:ext cx="76200" cy="177800"/>
+          </a:xfrm>
+          <a:prstGeom prst="rect">
+            <a:avLst/>
+          </a:prstGeom>
+        </p:spPr>
+      </p:pic>
+      <p:sp>
+        <p:nvSpPr>
+          <p:cNvPr id="9" name="object 9"/>
+          <p:cNvSpPr txBox="1"/>
+          <p:nvPr/>
+        </p:nvSpPr>
+        <p:spPr>
+          <a:xfrm>
+            <a:off x="11277218" y="6473337"/>
+            <a:ext cx="228600" cy="191770"/>
+          </a:xfrm>
+          <a:prstGeom prst="rect">
+            <a:avLst/>
+          </a:prstGeom>
+        </p:spPr>
+        <p:txBody>
+          <a:bodyPr vert="horz" wrap="square" lIns="0" tIns="6985" rIns="0" bIns="0" rtlCol="0">
+            <a:spAutoFit/>
+          </a:bodyPr>
+          <a:lstStyle/>
+          <a:p>
+            <a:pPr marL="38100">
+              <a:lnSpc>
+                <a:spcPct val="100000"/>
+              </a:lnSpc>
+              <a:spcBef>
+                <a:spcPts val="55"/>
+              </a:spcBef>
+            </a:pPr>
+            <a:fld id="{81D60167-4931-47E6-BA6A-407CBD079E47}" type="slidenum">
+              <a:rPr sz="1100" spc="10" dirty="0">
+                <a:solidFill>
+                  <a:srgbClr val="2D936B"/>
+                </a:solidFill>
+                <a:latin typeface="Trebuchet MS"/>
+                <a:cs typeface="Trebuchet MS"/>
+              </a:rPr>
+              <a:t>9</a:t>
+            </a:fld>
+            <a:endParaRPr sz="1100">
+              <a:latin typeface="Trebuchet MS"/>
+              <a:cs typeface="Trebuchet MS"/>
+            </a:endParaRPr>
+          </a:p>
+        </p:txBody>
+      </p:sp>
+      <p:sp>
+        <p:nvSpPr>
+          <p:cNvPr id="8" name="object 8"/>
+          <p:cNvSpPr txBox="1"/>
+          <p:nvPr/>
+        </p:nvSpPr>
+        <p:spPr>
+          <a:xfrm>
+            <a:off x="739775" y="291147"/>
+            <a:ext cx="3303904" cy="758190"/>
+          </a:xfrm>
+          <a:prstGeom prst="rect">
+            <a:avLst/>
+          </a:prstGeom>
+        </p:spPr>
+        <p:txBody>
+          <a:bodyPr vert="horz" wrap="square" lIns="0" tIns="13335" rIns="0" bIns="0" rtlCol="0">
+            <a:spAutoFit/>
+          </a:bodyPr>
+          <a:lstStyle/>
+          <a:p>
+            <a:pPr marL="12700">
+              <a:lnSpc>
+                <a:spcPct val="100000"/>
+              </a:lnSpc>
+              <a:spcBef>
+                <a:spcPts val="105"/>
+              </a:spcBef>
+            </a:pPr>
+            <a:r>
+              <a:rPr sz="4800" b="1" spc="15" dirty="0">
+                <a:latin typeface="Trebuchet MS"/>
+                <a:cs typeface="Trebuchet MS"/>
+              </a:rPr>
+              <a:t>M</a:t>
+            </a:r>
+            <a:r>
+              <a:rPr sz="4800" b="1" dirty="0">
+                <a:latin typeface="Trebuchet MS"/>
+                <a:cs typeface="Trebuchet MS"/>
+              </a:rPr>
+              <a:t>O</a:t>
+            </a:r>
+            <a:r>
+              <a:rPr sz="4800" b="1" spc="-15" dirty="0">
+                <a:latin typeface="Trebuchet MS"/>
+                <a:cs typeface="Trebuchet MS"/>
+              </a:rPr>
+              <a:t>D</a:t>
+            </a:r>
+            <a:r>
+              <a:rPr sz="4800" b="1" spc="-35" dirty="0">
+                <a:latin typeface="Trebuchet MS"/>
+                <a:cs typeface="Trebuchet MS"/>
+              </a:rPr>
+              <a:t>E</a:t>
+            </a:r>
+            <a:r>
+              <a:rPr sz="4800" b="1" spc="-30" dirty="0">
+                <a:latin typeface="Trebuchet MS"/>
+                <a:cs typeface="Trebuchet MS"/>
+              </a:rPr>
+              <a:t>LL</a:t>
+            </a:r>
+            <a:r>
+              <a:rPr sz="4800" b="1" spc="-5" dirty="0">
+                <a:latin typeface="Trebuchet MS"/>
+                <a:cs typeface="Trebuchet MS"/>
+              </a:rPr>
+              <a:t>I</a:t>
+            </a:r>
+            <a:r>
+              <a:rPr sz="4800" b="1" spc="30" dirty="0">
+                <a:latin typeface="Trebuchet MS"/>
+                <a:cs typeface="Trebuchet MS"/>
+              </a:rPr>
+              <a:t>N</a:t>
+            </a:r>
+            <a:r>
+              <a:rPr sz="4800" b="1" spc="5" dirty="0">
+                <a:latin typeface="Trebuchet MS"/>
+                <a:cs typeface="Trebuchet MS"/>
+              </a:rPr>
+              <a:t>G</a:t>
+            </a:r>
+            <a:endParaRPr sz="4800">
+              <a:latin typeface="Trebuchet MS"/>
+              <a:cs typeface="Trebuchet MS"/>
+            </a:endParaRPr>
+          </a:p>
+        </p:txBody>
+      </p:sp>
+      <p:sp>
+        <p:nvSpPr>
+          <p:cNvPr id="14" name="Title 13">
+            <a:extLst>
+              <a:ext uri="{FF2B5EF4-FFF2-40B4-BE49-F238E27FC236}">
+                <a16:creationId xmlns:a16="http://schemas.microsoft.com/office/drawing/2014/main" id="{625A1433-120F-428B-0B00-1E3E2035844C}"/>
+              </a:ext>
+            </a:extLst>
+          </p:cNvPr>
+          <p:cNvSpPr>
+            <a:spLocks noGrp="1"/>
+          </p:cNvSpPr>
+          <p:nvPr>
+            <p:ph type="ctrTitle"/>
+          </p:nvPr>
+        </p:nvSpPr>
+        <p:spPr>
+          <a:xfrm>
+            <a:off x="785132" y="1215853"/>
+            <a:ext cx="9220200" cy="1846659"/>
+          </a:xfrm>
+        </p:spPr>
+        <p:txBody>
+          <a:bodyPr/>
+          <a:lstStyle/>
+          <a:p>
+            <a:pPr marR="0" lvl="0" defTabSz="914400" rtl="0" eaLnBrk="0" fontAlgn="base" latinLnBrk="0" hangingPunct="0">
+              <a:lnSpc>
+                <a:spcPct val="100000"/>
+              </a:lnSpc>
+              <a:spcBef>
+                <a:spcPct val="0"/>
+              </a:spcBef>
+              <a:spcAft>
+                <a:spcPct val="0"/>
+              </a:spcAft>
+              <a:tabLst/>
+            </a:pPr>
+            <a:r>
+              <a:rPr kumimoji="0" lang="en-US" altLang="en-US" sz="2000" b="1" i="0" u="none" strike="noStrike" cap="none" normalizeH="0" baseline="0" dirty="0">
+                <a:ln>
+                  <a:noFill/>
+                </a:ln>
+                <a:solidFill>
+                  <a:schemeClr val="tx1"/>
+                </a:solidFill>
+                <a:effectLst/>
+                <a:latin typeface="Times New Roman" panose="02020603050405020304" pitchFamily="18" charset="0"/>
+                <a:cs typeface="Times New Roman" panose="02020603050405020304" pitchFamily="18" charset="0"/>
+              </a:rPr>
+              <a:t>Import Required Modules:</a:t>
+            </a:r>
+            <a:br>
+              <a:rPr kumimoji="0" lang="en-US" altLang="en-US" sz="2000" b="0" i="0" u="none" strike="noStrike" cap="none" normalizeH="0" baseline="0" dirty="0">
+                <a:ln>
+                  <a:noFill/>
+                </a:ln>
+                <a:solidFill>
+                  <a:schemeClr val="tx1"/>
+                </a:solidFill>
+                <a:effectLst/>
+                <a:latin typeface="Times New Roman" panose="02020603050405020304" pitchFamily="18" charset="0"/>
+                <a:cs typeface="Times New Roman" panose="02020603050405020304" pitchFamily="18" charset="0"/>
+              </a:rPr>
+            </a:br>
+            <a:r>
+              <a:rPr kumimoji="0" lang="en-US" altLang="en-US" sz="2000" b="0" i="0" u="none" strike="noStrike" cap="none" normalizeH="0" baseline="0" dirty="0">
+                <a:ln>
+                  <a:noFill/>
+                </a:ln>
+                <a:solidFill>
+                  <a:schemeClr val="tx1"/>
+                </a:solidFill>
+                <a:effectLst/>
+                <a:latin typeface="Times New Roman" panose="02020603050405020304" pitchFamily="18" charset="0"/>
+                <a:cs typeface="Times New Roman" panose="02020603050405020304" pitchFamily="18" charset="0"/>
+              </a:rPr>
+              <a:t>   Use Python's keyboard module to capture keystrokes.</a:t>
+            </a:r>
+            <a:br>
+              <a:rPr kumimoji="0" lang="en-US" altLang="en-US" sz="2000" b="0" i="0" u="none" strike="noStrike" cap="none" normalizeH="0" baseline="0" dirty="0">
+                <a:ln>
+                  <a:noFill/>
+                </a:ln>
+                <a:solidFill>
+                  <a:schemeClr val="tx1"/>
+                </a:solidFill>
+                <a:effectLst/>
+                <a:latin typeface="Times New Roman" panose="02020603050405020304" pitchFamily="18" charset="0"/>
+                <a:cs typeface="Times New Roman" panose="02020603050405020304" pitchFamily="18" charset="0"/>
+              </a:rPr>
+            </a:br>
+            <a:r>
+              <a:rPr kumimoji="0" lang="en-US" altLang="en-US" sz="2000" b="0" i="0" u="none" strike="noStrike" cap="none" normalizeH="0" baseline="0" dirty="0">
+                <a:ln>
+                  <a:noFill/>
+                </a:ln>
+                <a:solidFill>
+                  <a:schemeClr val="tx1"/>
+                </a:solidFill>
+                <a:effectLst/>
+                <a:latin typeface="Times New Roman" panose="02020603050405020304" pitchFamily="18" charset="0"/>
+                <a:cs typeface="Times New Roman" panose="02020603050405020304" pitchFamily="18" charset="0"/>
+              </a:rPr>
+              <a:t>Optionally, use other modules for logging, encryption, or network communication</a:t>
+            </a:r>
+            <a:r>
+              <a:rPr kumimoji="0" lang="en-US" altLang="en-US" sz="2000" b="0" i="0" u="none" strike="noStrike" cap="none" normalizeH="0" baseline="0" dirty="0">
+                <a:ln>
+                  <a:noFill/>
+                </a:ln>
+                <a:solidFill>
+                  <a:schemeClr val="tx1"/>
+                </a:solidFill>
+                <a:effectLst/>
+                <a:latin typeface="Arial" panose="020B0604020202020204" pitchFamily="34" charset="0"/>
+              </a:rPr>
+              <a:t>.</a:t>
+            </a:r>
+            <a:br>
+              <a:rPr kumimoji="0" lang="en-US" altLang="en-US" sz="2000" b="0" i="0" u="none" strike="noStrike" cap="none" normalizeH="0" baseline="0" dirty="0">
+                <a:ln>
+                  <a:noFill/>
+                </a:ln>
+                <a:solidFill>
+                  <a:schemeClr val="tx1"/>
+                </a:solidFill>
+                <a:effectLst/>
+                <a:latin typeface="Arial" panose="020B0604020202020204" pitchFamily="34" charset="0"/>
+              </a:rPr>
+            </a:br>
+            <a:r>
+              <a:rPr lang="en-US" sz="2000" b="1" dirty="0">
+                <a:latin typeface="Times New Roman" panose="02020603050405020304" pitchFamily="18" charset="0"/>
+                <a:cs typeface="Times New Roman" panose="02020603050405020304" pitchFamily="18" charset="0"/>
+              </a:rPr>
+              <a:t>Set Up Logging:</a:t>
+            </a:r>
+            <a:br>
+              <a:rPr lang="en-US" sz="2000" dirty="0">
+                <a:latin typeface="Arial" panose="020B0604020202020204" pitchFamily="34" charset="0"/>
+                <a:cs typeface="Times New Roman" panose="02020603050405020304" pitchFamily="18" charset="0"/>
+              </a:rPr>
+            </a:br>
+            <a:r>
+              <a:rPr lang="en-US" sz="2000" dirty="0">
+                <a:latin typeface="Arial" panose="020B0604020202020204" pitchFamily="34" charset="0"/>
+                <a:cs typeface="Times New Roman" panose="02020603050405020304" pitchFamily="18" charset="0"/>
+              </a:rPr>
+              <a:t>  </a:t>
+            </a:r>
+            <a:r>
+              <a:rPr lang="en-US" sz="2000" dirty="0">
+                <a:latin typeface="Times New Roman" panose="02020603050405020304" pitchFamily="18" charset="0"/>
+                <a:cs typeface="Times New Roman" panose="02020603050405020304" pitchFamily="18" charset="0"/>
+              </a:rPr>
+              <a:t>Configure logging settings to specify the format and destination of log files.</a:t>
+            </a:r>
+            <a:br>
+              <a:rPr lang="en-US" sz="2000" dirty="0">
+                <a:latin typeface="Times New Roman" panose="02020603050405020304" pitchFamily="18" charset="0"/>
+                <a:cs typeface="Times New Roman" panose="02020603050405020304" pitchFamily="18" charset="0"/>
+              </a:rPr>
+            </a:br>
+            <a:endParaRPr lang="en-IN" sz="2000" dirty="0"/>
+          </a:p>
+        </p:txBody>
+      </p:sp>
+      <p:sp>
+        <p:nvSpPr>
+          <p:cNvPr id="15" name="Subtitle 14">
+            <a:extLst>
+              <a:ext uri="{FF2B5EF4-FFF2-40B4-BE49-F238E27FC236}">
+                <a16:creationId xmlns:a16="http://schemas.microsoft.com/office/drawing/2014/main" id="{EE5E0A26-27E3-9875-715F-97D9FAA6C6EA}"/>
+              </a:ext>
+            </a:extLst>
+          </p:cNvPr>
+          <p:cNvSpPr>
+            <a:spLocks noGrp="1"/>
+          </p:cNvSpPr>
+          <p:nvPr>
+            <p:ph type="subTitle" idx="4"/>
+          </p:nvPr>
+        </p:nvSpPr>
+        <p:spPr>
+          <a:xfrm>
+            <a:off x="752475" y="2789116"/>
+            <a:ext cx="10877550" cy="3046988"/>
+          </a:xfrm>
+        </p:spPr>
+        <p:txBody>
+          <a:bodyPr/>
+          <a:lstStyle/>
+          <a:p>
+            <a:pPr marR="0" lvl="0" algn="l" defTabSz="914400" rtl="0" eaLnBrk="0" fontAlgn="base" latinLnBrk="0" hangingPunct="0">
+              <a:lnSpc>
+                <a:spcPct val="100000"/>
+              </a:lnSpc>
+              <a:spcBef>
+                <a:spcPct val="0"/>
+              </a:spcBef>
+              <a:spcAft>
+                <a:spcPct val="0"/>
+              </a:spcAft>
+              <a:buClrTx/>
+              <a:buSzTx/>
+              <a:tabLst/>
+            </a:pPr>
+            <a:r>
+              <a:rPr kumimoji="0" lang="en-US" altLang="en-US" sz="2000" b="1" i="0" u="none" strike="noStrike" cap="none" normalizeH="0" baseline="0" dirty="0">
+                <a:ln>
+                  <a:noFill/>
+                </a:ln>
+                <a:solidFill>
+                  <a:schemeClr val="tx1"/>
+                </a:solidFill>
+                <a:effectLst/>
+                <a:latin typeface="Times New Roman" panose="02020603050405020304" pitchFamily="18" charset="0"/>
+                <a:cs typeface="Times New Roman" panose="02020603050405020304" pitchFamily="18" charset="0"/>
+              </a:rPr>
+              <a:t>Define Keylogger Function:</a:t>
+            </a:r>
+            <a:endParaRPr kumimoji="0" lang="en-US" altLang="en-US" sz="2000" b="0" i="0" u="none" strike="noStrike" cap="none" normalizeH="0" baseline="0" dirty="0">
+              <a:ln>
+                <a:noFill/>
+              </a:ln>
+              <a:solidFill>
+                <a:schemeClr val="tx1"/>
+              </a:solidFill>
+              <a:effectLst/>
+              <a:latin typeface="Times New Roman" panose="02020603050405020304" pitchFamily="18" charset="0"/>
+              <a:cs typeface="Times New Roman" panose="02020603050405020304" pitchFamily="18" charset="0"/>
+            </a:endParaRPr>
+          </a:p>
+          <a:p>
+            <a:pPr marR="0" lvl="0" algn="l" defTabSz="914400" rtl="0" eaLnBrk="0" fontAlgn="base" latinLnBrk="0" hangingPunct="0">
+              <a:lnSpc>
+                <a:spcPct val="100000"/>
+              </a:lnSpc>
+              <a:spcBef>
+                <a:spcPct val="0"/>
+              </a:spcBef>
+              <a:spcAft>
+                <a:spcPct val="0"/>
+              </a:spcAft>
+              <a:buClrTx/>
+              <a:buSzTx/>
+              <a:tabLst/>
+            </a:pPr>
+            <a:r>
+              <a:rPr kumimoji="0" lang="en-US" altLang="en-US" sz="2000" b="0" i="0" u="none" strike="noStrike" cap="none" normalizeH="0" baseline="0" dirty="0">
+                <a:ln>
+                  <a:noFill/>
+                </a:ln>
+                <a:solidFill>
+                  <a:schemeClr val="tx1"/>
+                </a:solidFill>
+                <a:effectLst/>
+                <a:latin typeface="Times New Roman" panose="02020603050405020304" pitchFamily="18" charset="0"/>
+                <a:cs typeface="Times New Roman" panose="02020603050405020304" pitchFamily="18" charset="0"/>
+              </a:rPr>
+              <a:t>  Create a function to capture and log keystrokes.</a:t>
+            </a:r>
+          </a:p>
+          <a:p>
+            <a:pPr marR="0" lvl="0" algn="l" defTabSz="914400" rtl="0" eaLnBrk="0" fontAlgn="base" latinLnBrk="0" hangingPunct="0">
+              <a:lnSpc>
+                <a:spcPct val="100000"/>
+              </a:lnSpc>
+              <a:spcBef>
+                <a:spcPct val="0"/>
+              </a:spcBef>
+              <a:spcAft>
+                <a:spcPct val="0"/>
+              </a:spcAft>
+              <a:buClrTx/>
+              <a:buSzTx/>
+              <a:tabLst/>
+            </a:pPr>
+            <a:r>
+              <a:rPr kumimoji="0" lang="en-US" altLang="en-US" sz="2000" b="0" i="0" u="none" strike="noStrike" cap="none" normalizeH="0" baseline="0" dirty="0">
+                <a:ln>
+                  <a:noFill/>
+                </a:ln>
+                <a:solidFill>
+                  <a:schemeClr val="tx1"/>
+                </a:solidFill>
+                <a:effectLst/>
+                <a:latin typeface="Times New Roman" panose="02020603050405020304" pitchFamily="18" charset="0"/>
+                <a:cs typeface="Times New Roman" panose="02020603050405020304" pitchFamily="18" charset="0"/>
+              </a:rPr>
+              <a:t>  Use the </a:t>
+            </a:r>
+            <a:r>
+              <a:rPr kumimoji="0" lang="en-US" altLang="en-US" sz="2000" b="0" i="0" u="none" strike="noStrike" cap="none" normalizeH="0" baseline="0" dirty="0" err="1">
+                <a:ln>
+                  <a:noFill/>
+                </a:ln>
+                <a:solidFill>
+                  <a:schemeClr val="tx1"/>
+                </a:solidFill>
+                <a:effectLst/>
+                <a:latin typeface="Times New Roman" panose="02020603050405020304" pitchFamily="18" charset="0"/>
+                <a:cs typeface="Times New Roman" panose="02020603050405020304" pitchFamily="18" charset="0"/>
+              </a:rPr>
+              <a:t>keyboard.on_press</a:t>
+            </a:r>
+            <a:r>
+              <a:rPr kumimoji="0" lang="en-US" altLang="en-US" sz="2000" b="0" i="0" u="none" strike="noStrike" cap="none" normalizeH="0" baseline="0" dirty="0">
+                <a:ln>
+                  <a:noFill/>
+                </a:ln>
+                <a:solidFill>
+                  <a:schemeClr val="tx1"/>
+                </a:solidFill>
+                <a:effectLst/>
+                <a:latin typeface="Times New Roman" panose="02020603050405020304" pitchFamily="18" charset="0"/>
+                <a:cs typeface="Times New Roman" panose="02020603050405020304" pitchFamily="18" charset="0"/>
+              </a:rPr>
+              <a:t>() method to register a callback function to capture each key press event.</a:t>
+            </a:r>
+          </a:p>
+          <a:p>
+            <a:pPr eaLnBrk="0" fontAlgn="base" hangingPunct="0">
+              <a:spcBef>
+                <a:spcPct val="0"/>
+              </a:spcBef>
+              <a:spcAft>
+                <a:spcPct val="0"/>
+              </a:spcAft>
+            </a:pPr>
+            <a:r>
+              <a:rPr lang="en-US" sz="2000" b="1" dirty="0">
+                <a:latin typeface="Times New Roman" panose="02020603050405020304" pitchFamily="18" charset="0"/>
+                <a:cs typeface="Times New Roman" panose="02020603050405020304" pitchFamily="18" charset="0"/>
+              </a:rPr>
+              <a:t>Main Function:</a:t>
+            </a:r>
+          </a:p>
+          <a:p>
+            <a:pPr eaLnBrk="0" fontAlgn="base" hangingPunct="0">
+              <a:spcBef>
+                <a:spcPct val="0"/>
+              </a:spcBef>
+              <a:spcAft>
+                <a:spcPct val="0"/>
+              </a:spcAft>
+            </a:pPr>
+            <a:r>
+              <a:rPr lang="en-US" sz="2000" dirty="0">
+                <a:latin typeface="Times New Roman" panose="02020603050405020304" pitchFamily="18" charset="0"/>
+                <a:cs typeface="Times New Roman" panose="02020603050405020304" pitchFamily="18" charset="0"/>
+              </a:rPr>
+              <a:t>  Create a main function to start the keylogger and keep it running indefinitely.</a:t>
+            </a:r>
+          </a:p>
+          <a:p>
+            <a:r>
+              <a:rPr lang="en-US" sz="2000" b="1" dirty="0">
+                <a:latin typeface="Times New Roman" panose="02020603050405020304" pitchFamily="18" charset="0"/>
+                <a:cs typeface="Times New Roman" panose="02020603050405020304" pitchFamily="18" charset="0"/>
+              </a:rPr>
+              <a:t>Testing and Deployment:</a:t>
+            </a:r>
+          </a:p>
+          <a:p>
+            <a:r>
+              <a:rPr lang="en-US" sz="2000" dirty="0">
+                <a:latin typeface="Times New Roman" panose="02020603050405020304" pitchFamily="18" charset="0"/>
+                <a:cs typeface="Times New Roman" panose="02020603050405020304" pitchFamily="18" charset="0"/>
+              </a:rPr>
+              <a:t>  Test the keylogger program to ensure it captures keystrokes correctly.</a:t>
+            </a:r>
+          </a:p>
+          <a:p>
+            <a:pPr algn="just"/>
+            <a:r>
+              <a:rPr lang="en-US" sz="2000" dirty="0">
+                <a:latin typeface="Times New Roman" panose="02020603050405020304" pitchFamily="18" charset="0"/>
+                <a:cs typeface="Times New Roman" panose="02020603050405020304" pitchFamily="18" charset="0"/>
+              </a:rPr>
+              <a:t>  Deploy the keylogger on target systems if necessary, ensuring compliance with legal and ethical considerations.</a:t>
+            </a:r>
+          </a:p>
+          <a:p>
+            <a:endParaRPr lang="en-IN" dirty="0"/>
           </a:p>
         </p:txBody>
       </p:sp>
